--- a/Presentations/Haley/Poster.pptx
+++ b/Presentations/Haley/Poster.pptx
@@ -6,33 +6,36 @@
   </p:sldMasterIdLst>
   <p:sldIdLst>
     <p:sldId id="256" r:id="rId2"/>
+    <p:sldId id="257" r:id="rId3"/>
+    <p:sldId id="258" r:id="rId4"/>
+    <p:sldId id="259" r:id="rId5"/>
   </p:sldIdLst>
   <p:sldSz cx="43891200" cy="32918400"/>
   <p:notesSz cx="6858000" cy="9144000"/>
   <p:embeddedFontLst>
     <p:embeddedFont>
       <p:font typeface="Nunito" pitchFamily="2" charset="77"/>
-      <p:regular r:id="rId3"/>
-      <p:bold r:id="rId4"/>
-      <p:italic r:id="rId5"/>
-      <p:boldItalic r:id="rId6"/>
-    </p:embeddedFont>
-    <p:embeddedFont>
-      <p:font typeface="Nunito Black" pitchFamily="2" charset="77"/>
+      <p:regular r:id="rId6"/>
       <p:bold r:id="rId7"/>
       <p:italic r:id="rId8"/>
       <p:boldItalic r:id="rId9"/>
     </p:embeddedFont>
     <p:embeddedFont>
+      <p:font typeface="Nunito Black" pitchFamily="2" charset="77"/>
+      <p:bold r:id="rId10"/>
+      <p:italic r:id="rId11"/>
+      <p:boldItalic r:id="rId12"/>
+    </p:embeddedFont>
+    <p:embeddedFont>
       <p:font typeface="Open Sans" panose="020B0606030504020204" pitchFamily="34" charset="0"/>
-      <p:regular r:id="rId10"/>
-      <p:bold r:id="rId11"/>
-      <p:italic r:id="rId12"/>
-      <p:boldItalic r:id="rId13"/>
+      <p:regular r:id="rId13"/>
+      <p:bold r:id="rId14"/>
+      <p:italic r:id="rId15"/>
+      <p:boldItalic r:id="rId16"/>
     </p:embeddedFont>
   </p:embeddedFontLst>
   <p:custDataLst>
-    <p:tags r:id="rId14"/>
+    <p:tags r:id="rId17"/>
   </p:custDataLst>
   <p:defaultTextStyle>
     <a:defPPr>
@@ -4657,7 +4660,7 @@
         <p:spPr bwMode="auto">
           <a:xfrm>
             <a:off x="11963400" y="21551919"/>
-            <a:ext cx="20236147" cy="2062081"/>
+            <a:ext cx="20236147" cy="1569638"/>
           </a:xfrm>
           <a:prstGeom prst="rect">
             <a:avLst/>
@@ -4808,7 +4811,7 @@
                 <a:ea typeface="Open Sans" panose="020B0606030504020204" pitchFamily="34" charset="0"/>
                 <a:cs typeface="Times New Roman" panose="02020603050405020304" pitchFamily="18" charset="0"/>
               </a:rPr>
-              <a:t>The final models, shown visually here as posterior predictive checks, weigh polls already corrected for bias. The distributions as a result of the hierarchal modeling can reconcile some of the differences between polled opinion and eventual vote share by using parameter values obtained from modeling a total of 953 independent general election races since 2000.</a:t>
+              <a:t>The final models, shown visually here as posterior predictive checks, weigh polls already corrected for bias. The distributions as a result of the hierarchal modeling can reconcile some of the differences between polled opinion and eventual vote share by using parameter values obtained from modeling a total of 953 independent polls since 2000.</a:t>
             </a:r>
           </a:p>
         </p:txBody>
@@ -5428,7 +5431,7 @@
                 <a:latin typeface="Times New Roman" panose="02020603050405020304" pitchFamily="18" charset="0"/>
                 <a:cs typeface="Times New Roman" panose="02020603050405020304" pitchFamily="18" charset="0"/>
               </a:rPr>
-              <a:t>The hierarchical model was able to estimate distributions of true vote share  with a combination of nominal and numerical variables.</a:t>
+              <a:t>The hierarchical model was able to estimate distributions of true vote share with a combination of nominal and numerical variables.</a:t>
             </a:r>
           </a:p>
         </p:txBody>
@@ -5516,7 +5519,7 @@
                 <a:latin typeface="Times New Roman" panose="02020603050405020304" pitchFamily="18" charset="0"/>
                 <a:cs typeface="Times New Roman" panose="02020603050405020304" pitchFamily="18" charset="0"/>
               </a:rPr>
-              <a:t>Data was retrieved from publicly available repositories. The final models summarized here used FiveThirtyEight’s collection of pollster’s reported results. </a:t>
+              <a:t>The data was retrieved from publicly available repositories. The final models summarized here used FiveThirtyEight’s collection of pollster’s reported results. </a:t>
             </a:r>
           </a:p>
           <a:p>
@@ -5641,7 +5644,7 @@
         </p:nvGrpSpPr>
         <p:grpSpPr>
           <a:xfrm>
-            <a:off x="25265564" y="23964097"/>
+            <a:off x="25874784" y="23774400"/>
             <a:ext cx="6105270" cy="5681704"/>
             <a:chOff x="5985863" y="238873"/>
             <a:chExt cx="2946599" cy="3038179"/>
@@ -5795,7 +5798,7 @@
         </p:nvSpPr>
         <p:spPr>
           <a:xfrm>
-            <a:off x="11695141" y="30221735"/>
+            <a:off x="11862292" y="30163086"/>
             <a:ext cx="20016654" cy="1569660"/>
           </a:xfrm>
           <a:prstGeom prst="rect">
@@ -6162,7 +6165,7 @@
           <p:nvPr>
             <p:extLst>
               <p:ext uri="{D42A27DB-BD31-4B8C-83A1-F6EECF244321}">
-                <p14:modId xmlns:p14="http://schemas.microsoft.com/office/powerpoint/2010/main" val="1787988312"/>
+                <p14:modId xmlns:p14="http://schemas.microsoft.com/office/powerpoint/2010/main" val="1721696945"/>
               </p:ext>
             </p:extLst>
           </p:nvPr>
@@ -6289,7 +6292,71 @@
                           <a:latin typeface="Times New Roman" panose="02020603050405020304" pitchFamily="18" charset="0"/>
                           <a:cs typeface="Times New Roman" panose="02020603050405020304" pitchFamily="18" charset="0"/>
                         </a:rPr>
-                        <a:t>What election year was it? 2000, 2004, 2008, 2012, and 2016 included in this model.</a:t>
+                        <a:t>What election year was it? </a:t>
+                      </a:r>
+                      <a:r>
+                        <a:rPr kumimoji="0" lang="en-US" sz="3000" b="0" i="0" u="none" strike="noStrike" kern="1200" cap="none" spc="0" normalizeH="0" baseline="0" noProof="0">
+                          <a:ln>
+                            <a:noFill/>
+                          </a:ln>
+                          <a:solidFill>
+                            <a:srgbClr val="235078"/>
+                          </a:solidFill>
+                          <a:effectLst/>
+                          <a:uLnTx/>
+                          <a:uFillTx/>
+                          <a:latin typeface="Times New Roman" panose="02020603050405020304" pitchFamily="18" charset="0"/>
+                          <a:cs typeface="Times New Roman" panose="02020603050405020304" pitchFamily="18" charset="0"/>
+                        </a:rPr>
+                        <a:t>Years 2000</a:t>
+                      </a:r>
+                      <a:r>
+                        <a:rPr kumimoji="0" lang="en-US" sz="3000" b="0" i="0" u="none" strike="noStrike" kern="1200" cap="none" spc="0" normalizeH="0" baseline="0" noProof="0" dirty="0">
+                          <a:ln>
+                            <a:noFill/>
+                          </a:ln>
+                          <a:solidFill>
+                            <a:srgbClr val="235078"/>
+                          </a:solidFill>
+                          <a:effectLst/>
+                          <a:uLnTx/>
+                          <a:uFillTx/>
+                          <a:latin typeface="Times New Roman" panose="02020603050405020304" pitchFamily="18" charset="0"/>
+                          <a:cs typeface="Times New Roman" panose="02020603050405020304" pitchFamily="18" charset="0"/>
+                        </a:rPr>
+                        <a:t>, 2004, 2008, 2012, </a:t>
+                      </a:r>
+                      <a:r>
+                        <a:rPr kumimoji="0" lang="en-US" sz="3000" b="0" i="0" u="none" strike="noStrike" kern="1200" cap="none" spc="0" normalizeH="0" baseline="0" noProof="0">
+                          <a:ln>
+                            <a:noFill/>
+                          </a:ln>
+                          <a:solidFill>
+                            <a:srgbClr val="235078"/>
+                          </a:solidFill>
+                          <a:effectLst/>
+                          <a:uLnTx/>
+                          <a:uFillTx/>
+                          <a:latin typeface="Times New Roman" panose="02020603050405020304" pitchFamily="18" charset="0"/>
+                          <a:cs typeface="Times New Roman" panose="02020603050405020304" pitchFamily="18" charset="0"/>
+                        </a:rPr>
+                        <a:t>and 2016 are </a:t>
+                      </a:r>
+                      <a:r>
+                        <a:rPr kumimoji="0" lang="en-US" sz="3000" b="0" i="0" u="none" strike="noStrike" kern="1200" cap="none" spc="0" normalizeH="0" baseline="0" noProof="0" dirty="0">
+                          <a:ln>
+                            <a:noFill/>
+                          </a:ln>
+                          <a:solidFill>
+                            <a:srgbClr val="235078"/>
+                          </a:solidFill>
+                          <a:effectLst/>
+                          <a:uLnTx/>
+                          <a:uFillTx/>
+                          <a:latin typeface="Times New Roman" panose="02020603050405020304" pitchFamily="18" charset="0"/>
+                          <a:cs typeface="Times New Roman" panose="02020603050405020304" pitchFamily="18" charset="0"/>
+                        </a:rPr>
+                        <a:t>included in this model.</a:t>
                       </a:r>
                       <a:endParaRPr lang="en-US" sz="3000" b="0" dirty="0">
                         <a:solidFill>
@@ -7141,6 +7208,389 @@
         </p:spPr>
       </p:pic>
     </p:spTree>
+  </p:cSld>
+  <p:clrMapOvr>
+    <a:masterClrMapping/>
+  </p:clrMapOvr>
+  <p:transition/>
+</p:sld>
+</file>
+
+<file path=ppt/slides/slide2.xml><?xml version="1.0" encoding="utf-8"?>
+<p:sld xmlns:a="http://schemas.openxmlformats.org/drawingml/2006/main" xmlns:r="http://schemas.openxmlformats.org/officeDocument/2006/relationships" xmlns:p="http://schemas.openxmlformats.org/presentationml/2006/main">
+  <p:cSld>
+    <p:spTree>
+      <p:nvGrpSpPr>
+        <p:cNvPr id="1" name=""/>
+        <p:cNvGrpSpPr/>
+        <p:nvPr/>
+      </p:nvGrpSpPr>
+      <p:grpSpPr>
+        <a:xfrm>
+          <a:off x="0" y="0"/>
+          <a:ext cx="0" cy="0"/>
+          <a:chOff x="0" y="0"/>
+          <a:chExt cx="0" cy="0"/>
+        </a:xfrm>
+      </p:grpSpPr>
+      <p:pic>
+        <p:nvPicPr>
+          <p:cNvPr id="4" name="Picture 3">
+            <a:extLst>
+              <a:ext uri="{FF2B5EF4-FFF2-40B4-BE49-F238E27FC236}">
+                <a16:creationId xmlns:a16="http://schemas.microsoft.com/office/drawing/2014/main" id="{C258197A-91AC-954A-9B40-49A2A0ADE96F}"/>
+              </a:ext>
+            </a:extLst>
+          </p:cNvPr>
+          <p:cNvPicPr>
+            <a:picLocks noChangeAspect="1"/>
+          </p:cNvPicPr>
+          <p:nvPr/>
+        </p:nvPicPr>
+        <p:blipFill>
+          <a:blip r:embed="rId2">
+            <a:extLst>
+              <a:ext uri="{28A0092B-C50C-407E-A947-70E740481C1C}">
+                <a14:useLocalDpi xmlns:a14="http://schemas.microsoft.com/office/drawing/2010/main" val="0"/>
+              </a:ext>
+            </a:extLst>
+          </a:blip>
+          <a:srcRect/>
+          <a:stretch/>
+        </p:blipFill>
+        <p:spPr>
+          <a:xfrm>
+            <a:off x="2971800" y="1295399"/>
+            <a:ext cx="41605200" cy="31218653"/>
+          </a:xfrm>
+          <a:prstGeom prst="rect">
+            <a:avLst/>
+          </a:prstGeom>
+        </p:spPr>
+      </p:pic>
+    </p:spTree>
+    <p:extLst>
+      <p:ext uri="{BB962C8B-B14F-4D97-AF65-F5344CB8AC3E}">
+        <p14:creationId xmlns:p14="http://schemas.microsoft.com/office/powerpoint/2010/main" val="3630049806"/>
+      </p:ext>
+    </p:extLst>
+  </p:cSld>
+  <p:clrMapOvr>
+    <a:masterClrMapping/>
+  </p:clrMapOvr>
+  <p:transition/>
+</p:sld>
+</file>
+
+<file path=ppt/slides/slide3.xml><?xml version="1.0" encoding="utf-8"?>
+<p:sld xmlns:a="http://schemas.openxmlformats.org/drawingml/2006/main" xmlns:r="http://schemas.openxmlformats.org/officeDocument/2006/relationships" xmlns:p="http://schemas.openxmlformats.org/presentationml/2006/main">
+  <p:cSld>
+    <p:spTree>
+      <p:nvGrpSpPr>
+        <p:cNvPr id="1" name=""/>
+        <p:cNvGrpSpPr/>
+        <p:nvPr/>
+      </p:nvGrpSpPr>
+      <p:grpSpPr>
+        <a:xfrm>
+          <a:off x="0" y="0"/>
+          <a:ext cx="0" cy="0"/>
+          <a:chOff x="0" y="0"/>
+          <a:chExt cx="0" cy="0"/>
+        </a:xfrm>
+      </p:grpSpPr>
+      <p:pic>
+        <p:nvPicPr>
+          <p:cNvPr id="4" name="Picture 3">
+            <a:extLst>
+              <a:ext uri="{FF2B5EF4-FFF2-40B4-BE49-F238E27FC236}">
+                <a16:creationId xmlns:a16="http://schemas.microsoft.com/office/drawing/2014/main" id="{E7DE883D-DBE8-874C-AB22-E880B696FF7D}"/>
+              </a:ext>
+            </a:extLst>
+          </p:cNvPr>
+          <p:cNvPicPr>
+            <a:picLocks noChangeAspect="1"/>
+          </p:cNvPicPr>
+          <p:nvPr/>
+        </p:nvPicPr>
+        <p:blipFill>
+          <a:blip r:embed="rId2">
+            <a:extLst>
+              <a:ext uri="{28A0092B-C50C-407E-A947-70E740481C1C}">
+                <a14:useLocalDpi xmlns:a14="http://schemas.microsoft.com/office/drawing/2010/main" val="0"/>
+              </a:ext>
+            </a:extLst>
+          </a:blip>
+          <a:srcRect/>
+          <a:stretch/>
+        </p:blipFill>
+        <p:spPr>
+          <a:xfrm>
+            <a:off x="457200" y="795076"/>
+            <a:ext cx="26402424" cy="16273724"/>
+          </a:xfrm>
+          <a:prstGeom prst="rect">
+            <a:avLst/>
+          </a:prstGeom>
+        </p:spPr>
+      </p:pic>
+      <p:pic>
+        <p:nvPicPr>
+          <p:cNvPr id="5" name="Picture 4">
+            <a:extLst>
+              <a:ext uri="{FF2B5EF4-FFF2-40B4-BE49-F238E27FC236}">
+                <a16:creationId xmlns:a16="http://schemas.microsoft.com/office/drawing/2014/main" id="{E95DE774-3930-184B-A4F6-C2B9FE784C21}"/>
+              </a:ext>
+            </a:extLst>
+          </p:cNvPr>
+          <p:cNvPicPr>
+            <a:picLocks noChangeAspect="1"/>
+          </p:cNvPicPr>
+          <p:nvPr/>
+        </p:nvPicPr>
+        <p:blipFill>
+          <a:blip r:embed="rId3">
+            <a:extLst>
+              <a:ext uri="{28A0092B-C50C-407E-A947-70E740481C1C}">
+                <a14:useLocalDpi xmlns:a14="http://schemas.microsoft.com/office/drawing/2010/main" val="0"/>
+              </a:ext>
+            </a:extLst>
+          </a:blip>
+          <a:srcRect/>
+          <a:stretch/>
+        </p:blipFill>
+        <p:spPr>
+          <a:xfrm>
+            <a:off x="16535400" y="17068800"/>
+            <a:ext cx="23774400" cy="14653882"/>
+          </a:xfrm>
+          <a:prstGeom prst="rect">
+            <a:avLst/>
+          </a:prstGeom>
+        </p:spPr>
+      </p:pic>
+    </p:spTree>
+    <p:extLst>
+      <p:ext uri="{BB962C8B-B14F-4D97-AF65-F5344CB8AC3E}">
+        <p14:creationId xmlns:p14="http://schemas.microsoft.com/office/powerpoint/2010/main" val="107978610"/>
+      </p:ext>
+    </p:extLst>
+  </p:cSld>
+  <p:clrMapOvr>
+    <a:masterClrMapping/>
+  </p:clrMapOvr>
+  <p:transition/>
+</p:sld>
+</file>
+
+<file path=ppt/slides/slide4.xml><?xml version="1.0" encoding="utf-8"?>
+<p:sld xmlns:a="http://schemas.openxmlformats.org/drawingml/2006/main" xmlns:r="http://schemas.openxmlformats.org/officeDocument/2006/relationships" xmlns:p="http://schemas.openxmlformats.org/presentationml/2006/main">
+  <p:cSld>
+    <p:spTree>
+      <p:nvGrpSpPr>
+        <p:cNvPr id="1" name=""/>
+        <p:cNvGrpSpPr/>
+        <p:nvPr/>
+      </p:nvGrpSpPr>
+      <p:grpSpPr>
+        <a:xfrm>
+          <a:off x="0" y="0"/>
+          <a:ext cx="0" cy="0"/>
+          <a:chOff x="0" y="0"/>
+          <a:chExt cx="0" cy="0"/>
+        </a:xfrm>
+      </p:grpSpPr>
+      <p:pic>
+        <p:nvPicPr>
+          <p:cNvPr id="4" name="Picture 3" descr="A screenshot of a map&#10;&#10;Description automatically generated">
+            <a:extLst>
+              <a:ext uri="{FF2B5EF4-FFF2-40B4-BE49-F238E27FC236}">
+                <a16:creationId xmlns:a16="http://schemas.microsoft.com/office/drawing/2014/main" id="{53E5CF79-F5F3-554D-B719-8F978EE55D06}"/>
+              </a:ext>
+            </a:extLst>
+          </p:cNvPr>
+          <p:cNvPicPr>
+            <a:picLocks noChangeAspect="1"/>
+          </p:cNvPicPr>
+          <p:nvPr/>
+        </p:nvPicPr>
+        <p:blipFill>
+          <a:blip r:embed="rId2"/>
+          <a:stretch>
+            <a:fillRect/>
+          </a:stretch>
+        </p:blipFill>
+        <p:spPr>
+          <a:xfrm>
+            <a:off x="9448800" y="1447800"/>
+            <a:ext cx="26335038" cy="12311627"/>
+          </a:xfrm>
+          <a:prstGeom prst="rect">
+            <a:avLst/>
+          </a:prstGeom>
+          <a:noFill/>
+        </p:spPr>
+      </p:pic>
+      <p:grpSp>
+        <p:nvGrpSpPr>
+          <p:cNvPr id="7" name="Group 6">
+            <a:extLst>
+              <a:ext uri="{FF2B5EF4-FFF2-40B4-BE49-F238E27FC236}">
+                <a16:creationId xmlns:a16="http://schemas.microsoft.com/office/drawing/2014/main" id="{74AA2C45-F180-ED4B-97C1-B023982EC49B}"/>
+              </a:ext>
+            </a:extLst>
+          </p:cNvPr>
+          <p:cNvGrpSpPr/>
+          <p:nvPr/>
+        </p:nvGrpSpPr>
+        <p:grpSpPr>
+          <a:xfrm>
+            <a:off x="14706604" y="16078200"/>
+            <a:ext cx="18303688" cy="15424485"/>
+            <a:chOff x="5969804" y="238873"/>
+            <a:chExt cx="2962658" cy="3044512"/>
+          </a:xfrm>
+        </p:grpSpPr>
+        <p:pic>
+          <p:nvPicPr>
+            <p:cNvPr id="8" name="Picture 7">
+              <a:extLst>
+                <a:ext uri="{FF2B5EF4-FFF2-40B4-BE49-F238E27FC236}">
+                  <a16:creationId xmlns:a16="http://schemas.microsoft.com/office/drawing/2014/main" id="{56D40EFE-ABCC-214D-BC1B-FEDA8460ED10}"/>
+                </a:ext>
+              </a:extLst>
+            </p:cNvPr>
+            <p:cNvPicPr>
+              <a:picLocks noChangeAspect="1"/>
+            </p:cNvPicPr>
+            <p:nvPr/>
+          </p:nvPicPr>
+          <p:blipFill rotWithShape="1">
+            <a:blip r:embed="rId3"/>
+            <a:srcRect r="4202"/>
+            <a:stretch/>
+          </p:blipFill>
+          <p:spPr>
+            <a:xfrm>
+              <a:off x="5985863" y="238873"/>
+              <a:ext cx="2946599" cy="3038179"/>
+            </a:xfrm>
+            <a:prstGeom prst="rect">
+              <a:avLst/>
+            </a:prstGeom>
+          </p:spPr>
+        </p:pic>
+        <p:sp>
+          <p:nvSpPr>
+            <p:cNvPr id="10" name="Rectangle 9">
+              <a:extLst>
+                <a:ext uri="{FF2B5EF4-FFF2-40B4-BE49-F238E27FC236}">
+                  <a16:creationId xmlns:a16="http://schemas.microsoft.com/office/drawing/2014/main" id="{D3C8E5D9-4C5C-834D-BC6D-601CF1422AE8}"/>
+                </a:ext>
+              </a:extLst>
+            </p:cNvPr>
+            <p:cNvSpPr/>
+            <p:nvPr/>
+          </p:nvSpPr>
+          <p:spPr>
+            <a:xfrm rot="16200000">
+              <a:off x="5600081" y="1669578"/>
+              <a:ext cx="916214" cy="176768"/>
+            </a:xfrm>
+            <a:prstGeom prst="rect">
+              <a:avLst/>
+            </a:prstGeom>
+            <a:ln>
+              <a:solidFill>
+                <a:schemeClr val="bg1"/>
+              </a:solidFill>
+            </a:ln>
+          </p:spPr>
+          <p:style>
+            <a:lnRef idx="2">
+              <a:schemeClr val="accent6"/>
+            </a:lnRef>
+            <a:fillRef idx="1">
+              <a:schemeClr val="lt1"/>
+            </a:fillRef>
+            <a:effectRef idx="0">
+              <a:schemeClr val="accent6"/>
+            </a:effectRef>
+            <a:fontRef idx="minor">
+              <a:schemeClr val="dk1"/>
+            </a:fontRef>
+          </p:style>
+          <p:txBody>
+            <a:bodyPr rtlCol="0" anchor="ctr"/>
+            <a:lstStyle/>
+            <a:p>
+              <a:pPr algn="ctr"/>
+              <a:r>
+                <a:rPr lang="en-US" sz="2400" dirty="0"/>
+                <a:t>Republican Bias</a:t>
+              </a:r>
+            </a:p>
+          </p:txBody>
+        </p:sp>
+        <p:sp>
+          <p:nvSpPr>
+            <p:cNvPr id="12" name="Rectangle 11">
+              <a:extLst>
+                <a:ext uri="{FF2B5EF4-FFF2-40B4-BE49-F238E27FC236}">
+                  <a16:creationId xmlns:a16="http://schemas.microsoft.com/office/drawing/2014/main" id="{1EBD3083-C990-5D4E-8C72-C149FDF0AB25}"/>
+                </a:ext>
+              </a:extLst>
+            </p:cNvPr>
+            <p:cNvSpPr/>
+            <p:nvPr/>
+          </p:nvSpPr>
+          <p:spPr>
+            <a:xfrm>
+              <a:off x="7116849" y="3106617"/>
+              <a:ext cx="916214" cy="176768"/>
+            </a:xfrm>
+            <a:prstGeom prst="rect">
+              <a:avLst/>
+            </a:prstGeom>
+            <a:ln>
+              <a:solidFill>
+                <a:schemeClr val="bg1"/>
+              </a:solidFill>
+            </a:ln>
+          </p:spPr>
+          <p:style>
+            <a:lnRef idx="2">
+              <a:schemeClr val="accent6"/>
+            </a:lnRef>
+            <a:fillRef idx="1">
+              <a:schemeClr val="lt1"/>
+            </a:fillRef>
+            <a:effectRef idx="0">
+              <a:schemeClr val="accent6"/>
+            </a:effectRef>
+            <a:fontRef idx="minor">
+              <a:schemeClr val="dk1"/>
+            </a:fontRef>
+          </p:style>
+          <p:txBody>
+            <a:bodyPr rtlCol="0" anchor="ctr"/>
+            <a:lstStyle/>
+            <a:p>
+              <a:pPr algn="ctr"/>
+              <a:r>
+                <a:rPr lang="en-US" sz="2800" dirty="0"/>
+                <a:t>Democratic Bias</a:t>
+              </a:r>
+            </a:p>
+          </p:txBody>
+        </p:sp>
+      </p:grpSp>
+    </p:spTree>
+    <p:extLst>
+      <p:ext uri="{BB962C8B-B14F-4D97-AF65-F5344CB8AC3E}">
+        <p14:creationId xmlns:p14="http://schemas.microsoft.com/office/powerpoint/2010/main" val="755951107"/>
+      </p:ext>
+    </p:extLst>
   </p:cSld>
   <p:clrMapOvr>
     <a:masterClrMapping/>
